--- a/Beers and Breweries.pptx
+++ b/Beers and Breweries.pptx
@@ -3360,7 +3360,7 @@
           <a:p>
             <a:fld id="{F7AFFB9B-9FB8-469E-96F9-4D32314110B6}" type="datetimeFigureOut">
               <a:rPr lang="en-US" dirty="0"/>
-              <a:t>2/24/2018</a:t>
+              <a:t>2/25/2018</a:t>
             </a:fld>
             <a:endParaRPr lang="en-US" dirty="0"/>
           </a:p>
@@ -3688,7 +3688,7 @@
           <a:p>
             <a:fld id="{341D2AC3-6A0B-4169-B1EA-E3AE8B351BDD}" type="datetimeFigureOut">
               <a:rPr lang="en-US" dirty="0"/>
-              <a:t>2/24/2018</a:t>
+              <a:t>2/25/2018</a:t>
             </a:fld>
             <a:endParaRPr lang="en-US" dirty="0"/>
           </a:p>
@@ -3879,7 +3879,7 @@
           <a:p>
             <a:fld id="{DD4B9363-8B87-41B7-9F8E-64519CBB8F34}" type="datetimeFigureOut">
               <a:rPr lang="en-US" dirty="0"/>
-              <a:t>2/24/2018</a:t>
+              <a:t>2/25/2018</a:t>
             </a:fld>
             <a:endParaRPr lang="en-US" dirty="0"/>
           </a:p>
@@ -4144,7 +4144,7 @@
           <a:p>
             <a:fld id="{EAEF5746-5284-4951-9F37-7AE924EDBCB7}" type="datetimeFigureOut">
               <a:rPr lang="en-US" dirty="0"/>
-              <a:t>2/24/2018</a:t>
+              <a:t>2/25/2018</a:t>
             </a:fld>
             <a:endParaRPr lang="en-US" dirty="0"/>
           </a:p>
@@ -4567,7 +4567,7 @@
           <a:p>
             <a:fld id="{02398B29-7265-4A65-A2A4-6703C057B7C1}" type="datetimeFigureOut">
               <a:rPr lang="en-US" dirty="0"/>
-              <a:t>2/24/2018</a:t>
+              <a:t>2/25/2018</a:t>
             </a:fld>
             <a:endParaRPr lang="en-US" dirty="0"/>
           </a:p>
@@ -5112,7 +5112,7 @@
           <a:p>
             <a:fld id="{28FBA082-94DF-4C4B-A041-6624924AB0A8}" type="datetimeFigureOut">
               <a:rPr lang="en-US" dirty="0"/>
-              <a:t>2/24/2018</a:t>
+              <a:t>2/25/2018</a:t>
             </a:fld>
             <a:endParaRPr lang="en-US" dirty="0"/>
           </a:p>
@@ -5897,7 +5897,7 @@
           <a:p>
             <a:fld id="{B27686C4-3AB5-4E0C-86CA-FB108C350AA9}" type="datetimeFigureOut">
               <a:rPr lang="en-US" dirty="0"/>
-              <a:t>2/24/2018</a:t>
+              <a:t>2/25/2018</a:t>
             </a:fld>
             <a:endParaRPr lang="en-US" dirty="0"/>
           </a:p>
@@ -6071,7 +6071,7 @@
           <a:p>
             <a:fld id="{49FF1211-4E0C-4AB3-B04F-585959BDAFE8}" type="datetimeFigureOut">
               <a:rPr lang="en-US" dirty="0"/>
-              <a:t>2/24/2018</a:t>
+              <a:t>2/25/2018</a:t>
             </a:fld>
             <a:endParaRPr lang="en-US" dirty="0"/>
           </a:p>
@@ -6250,7 +6250,7 @@
           <a:p>
             <a:fld id="{28BDECAF-D3BE-4069-9C78-642ECCD01477}" type="datetimeFigureOut">
               <a:rPr lang="en-US" dirty="0"/>
-              <a:t>2/24/2018</a:t>
+              <a:t>2/25/2018</a:t>
             </a:fld>
             <a:endParaRPr lang="en-US" dirty="0"/>
           </a:p>
@@ -6420,7 +6420,7 @@
           <a:p>
             <a:fld id="{8EFBDC27-E420-4878-9EE6-7B9656D6442A}" type="datetimeFigureOut">
               <a:rPr lang="en-US" dirty="0"/>
-              <a:t>2/24/2018</a:t>
+              <a:t>2/25/2018</a:t>
             </a:fld>
             <a:endParaRPr lang="en-US" dirty="0"/>
           </a:p>
@@ -6665,7 +6665,7 @@
           <a:p>
             <a:fld id="{0F7F47CF-67C9-420C-80A5-E2069FF0C2DF}" type="datetimeFigureOut">
               <a:rPr lang="en-US" dirty="0"/>
-              <a:t>2/24/2018</a:t>
+              <a:t>2/25/2018</a:t>
             </a:fld>
             <a:endParaRPr lang="en-US" dirty="0"/>
           </a:p>
@@ -6897,7 +6897,7 @@
           <a:p>
             <a:fld id="{AE22DC73-F065-42F5-A9F2-D90B2E42A0B3}" type="datetimeFigureOut">
               <a:rPr lang="en-US" dirty="0"/>
-              <a:t>2/24/2018</a:t>
+              <a:t>2/25/2018</a:t>
             </a:fld>
             <a:endParaRPr lang="en-US" dirty="0"/>
           </a:p>
@@ -7277,7 +7277,7 @@
           <a:p>
             <a:fld id="{76BEA702-9B29-41CC-9BCC-3DF8A0D379FE}" type="datetimeFigureOut">
               <a:rPr lang="en-US" dirty="0"/>
-              <a:t>2/24/2018</a:t>
+              <a:t>2/25/2018</a:t>
             </a:fld>
             <a:endParaRPr lang="en-US" dirty="0"/>
           </a:p>
@@ -7390,7 +7390,7 @@
           <a:p>
             <a:fld id="{097649AC-CB8F-4FF1-9A34-5861C74DD0A7}" type="datetimeFigureOut">
               <a:rPr lang="en-US" dirty="0"/>
-              <a:t>2/24/2018</a:t>
+              <a:t>2/25/2018</a:t>
             </a:fld>
             <a:endParaRPr lang="en-US" dirty="0"/>
           </a:p>
@@ -7480,7 +7480,7 @@
           <a:p>
             <a:fld id="{3EC5CECA-2D3A-4680-9B49-752200DE467C}" type="datetimeFigureOut">
               <a:rPr lang="en-US" dirty="0"/>
-              <a:t>2/24/2018</a:t>
+              <a:t>2/25/2018</a:t>
             </a:fld>
             <a:endParaRPr lang="en-US" dirty="0"/>
           </a:p>
@@ -7728,7 +7728,7 @@
           <a:p>
             <a:fld id="{50C3BFE2-83B7-4B0A-B9D3-AB28331082B3}" type="datetimeFigureOut">
               <a:rPr lang="en-US" dirty="0"/>
-              <a:t>2/24/2018</a:t>
+              <a:t>2/25/2018</a:t>
             </a:fld>
             <a:endParaRPr lang="en-US" dirty="0"/>
           </a:p>
@@ -7992,7 +7992,7 @@
           <a:p>
             <a:fld id="{12EF78E3-FDA3-4D28-AAA2-0B81F349A39D}" type="datetimeFigureOut">
               <a:rPr lang="en-US" dirty="0"/>
-              <a:t>2/24/2018</a:t>
+              <a:t>2/25/2018</a:t>
             </a:fld>
             <a:endParaRPr lang="en-US" dirty="0"/>
           </a:p>
@@ -8390,7 +8390,7 @@
           <a:p>
             <a:fld id="{C35BB1C6-BF8F-4481-8AB2-603A1C8A906A}" type="datetimeFigureOut">
               <a:rPr lang="en-US" dirty="0"/>
-              <a:t>2/24/2018</a:t>
+              <a:t>2/25/2018</a:t>
             </a:fld>
             <a:endParaRPr lang="en-US" dirty="0"/>
           </a:p>
@@ -9387,6 +9387,13 @@
             </a:r>
           </a:p>
           <a:p>
+            <a:r>
+              <a:rPr lang="en-US"/>
+              <a:t>https://github.com/tbitxyz/SMU-DDS-Machine-Churning-Project-1</a:t>
+            </a:r>
+            <a:endParaRPr lang="en-US" dirty="0"/>
+          </a:p>
+          <a:p>
             <a:endParaRPr lang="en-US" dirty="0"/>
           </a:p>
         </p:txBody>
